--- a/projects/6_基於ESG語氣用字的投資策略報酬預測.pptx
+++ b/projects/6_基於ESG語氣用字的投資策略報酬預測.pptx
@@ -5,16 +5,13 @@
     <p:sldMasterId id="2147483648" r:id="rId1"/>
   </p:sldMasterIdLst>
   <p:notesMasterIdLst>
-    <p:notesMasterId r:id="rId9"/>
+    <p:notesMasterId r:id="rId6"/>
   </p:notesMasterIdLst>
   <p:sldIdLst>
     <p:sldId id="256" r:id="rId2"/>
-    <p:sldId id="261" r:id="rId3"/>
-    <p:sldId id="257" r:id="rId4"/>
-    <p:sldId id="263" r:id="rId5"/>
-    <p:sldId id="265" r:id="rId6"/>
-    <p:sldId id="264" r:id="rId7"/>
-    <p:sldId id="262" r:id="rId8"/>
+    <p:sldId id="265" r:id="rId3"/>
+    <p:sldId id="266" r:id="rId4"/>
+    <p:sldId id="262" r:id="rId5"/>
   </p:sldIdLst>
   <p:sldSz cx="13004800" cy="9753600"/>
   <p:notesSz cx="6858000" cy="9144000"/>
@@ -770,805 +767,6 @@
 
 <file path=ppt/slideLayouts/slideLayout2.xml><?xml version="1.0" encoding="utf-8"?>
 <p:sldLayout xmlns:a="http://schemas.openxmlformats.org/drawingml/2006/main" xmlns:r="http://schemas.openxmlformats.org/officeDocument/2006/relationships" xmlns:p="http://schemas.openxmlformats.org/presentationml/2006/main" showMasterSp="0" type="tx">
-  <p:cSld name="Outline">
-    <p:spTree>
-      <p:nvGrpSpPr>
-        <p:cNvPr id="1" name=""/>
-        <p:cNvGrpSpPr/>
-        <p:nvPr/>
-      </p:nvGrpSpPr>
-      <p:grpSpPr>
-        <a:xfrm>
-          <a:off x="0" y="0"/>
-          <a:ext cx="0" cy="0"/>
-          <a:chOff x="0" y="0"/>
-          <a:chExt cx="0" cy="0"/>
-        </a:xfrm>
-      </p:grpSpPr>
-      <p:sp>
-        <p:nvSpPr>
-          <p:cNvPr id="23" name="Presentation Title"/>
-          <p:cNvSpPr txBox="1">
-            <a:spLocks noGrp="1"/>
-          </p:cNvSpPr>
-          <p:nvPr>
-            <p:ph type="body" sz="quarter" idx="21"/>
-          </p:nvPr>
-        </p:nvSpPr>
-        <p:spPr>
-          <a:xfrm>
-            <a:off x="768509" y="9159279"/>
-            <a:ext cx="5733892" cy="399033"/>
-          </a:xfrm>
-          <a:prstGeom prst="rect">
-            <a:avLst/>
-          </a:prstGeom>
-        </p:spPr>
-        <p:txBody>
-          <a:bodyPr anchor="b">
-            <a:spAutoFit/>
-          </a:bodyPr>
-          <a:lstStyle>
-            <a:lvl1pPr defTabSz="457200">
-              <a:spcBef>
-                <a:spcPts val="1200"/>
-              </a:spcBef>
-              <a:defRPr sz="2000">
-                <a:solidFill>
-                  <a:srgbClr val="5A5F5E"/>
-                </a:solidFill>
-                <a:latin typeface="Helvetica Neue Thin"/>
-                <a:ea typeface="Helvetica Neue Thin"/>
-                <a:cs typeface="Helvetica Neue Thin"/>
-                <a:sym typeface="Helvetica Neue Thin"/>
-              </a:defRPr>
-            </a:lvl1pPr>
-          </a:lstStyle>
-          <a:p>
-            <a:r>
-              <a:t>Presentation Title</a:t>
-            </a:r>
-          </a:p>
-        </p:txBody>
-      </p:sp>
-      <p:sp>
-        <p:nvSpPr>
-          <p:cNvPr id="24" name="Outline"/>
-          <p:cNvSpPr txBox="1"/>
-          <p:nvPr/>
-        </p:nvSpPr>
-        <p:spPr>
-          <a:xfrm>
-            <a:off x="762000" y="762000"/>
-            <a:ext cx="11467783" cy="609855"/>
-          </a:xfrm>
-          <a:prstGeom prst="rect">
-            <a:avLst/>
-          </a:prstGeom>
-          <a:ln w="12700">
-            <a:miter lim="400000"/>
-          </a:ln>
-          <a:extLst>
-            <a:ext uri="{C572A759-6A51-4108-AA02-DFA0A04FC94B}">
-              <ma14:wrappingTextBoxFlag xmlns="" xmlns:m="http://schemas.openxmlformats.org/officeDocument/2006/math" xmlns:a14="http://schemas.microsoft.com/office/drawing/2010/main" xmlns:ma14="http://schemas.microsoft.com/office/mac/drawingml/2011/main" val="1"/>
-            </a:ext>
-          </a:extLst>
-        </p:spPr>
-        <p:txBody>
-          <a:bodyPr lIns="50800" tIns="50800" rIns="50800" bIns="50800">
-            <a:normAutofit lnSpcReduction="10000"/>
-          </a:bodyPr>
-          <a:lstStyle>
-            <a:lvl1pPr>
-              <a:defRPr sz="3500">
-                <a:latin typeface="+mn-lt"/>
-                <a:ea typeface="+mn-ea"/>
-                <a:cs typeface="+mn-cs"/>
-                <a:sym typeface="Helvetica Neue"/>
-              </a:defRPr>
-            </a:lvl1pPr>
-          </a:lstStyle>
-          <a:p>
-            <a:r>
-              <a:t>Outline</a:t>
-            </a:r>
-          </a:p>
-        </p:txBody>
-      </p:sp>
-      <p:sp>
-        <p:nvSpPr>
-          <p:cNvPr id="25" name="文字"/>
-          <p:cNvSpPr txBox="1">
-            <a:spLocks noGrp="1"/>
-          </p:cNvSpPr>
-          <p:nvPr>
-            <p:ph type="body" sz="quarter" idx="22"/>
-          </p:nvPr>
-        </p:nvSpPr>
-        <p:spPr>
-          <a:xfrm>
-            <a:off x="761999" y="1581811"/>
-            <a:ext cx="11467783" cy="635001"/>
-          </a:xfrm>
-          <a:prstGeom prst="rect">
-            <a:avLst/>
-          </a:prstGeom>
-        </p:spPr>
-        <p:txBody>
-          <a:bodyPr>
-            <a:spAutoFit/>
-          </a:bodyPr>
-          <a:lstStyle/>
-          <a:p>
-            <a:pPr marL="444500" indent="-444500">
-              <a:lnSpc>
-                <a:spcPct val="150000"/>
-              </a:lnSpc>
-              <a:buClr>
-                <a:srgbClr val="5A5F5E"/>
-              </a:buClr>
-              <a:buSzPct val="100000"/>
-              <a:buAutoNum type="arabicPeriod"/>
-              <a:defRPr sz="3000">
-                <a:solidFill>
-                  <a:srgbClr val="5A5F5E"/>
-                </a:solidFill>
-              </a:defRPr>
-            </a:pPr>
-            <a:endParaRPr/>
-          </a:p>
-        </p:txBody>
-      </p:sp>
-      <p:sp>
-        <p:nvSpPr>
-          <p:cNvPr id="26" name="線條"/>
-          <p:cNvSpPr/>
-          <p:nvPr/>
-        </p:nvSpPr>
-        <p:spPr>
-          <a:xfrm>
-            <a:off x="700892" y="9159279"/>
-            <a:ext cx="10543492" cy="1"/>
-          </a:xfrm>
-          <a:prstGeom prst="line">
-            <a:avLst/>
-          </a:prstGeom>
-          <a:ln w="25400">
-            <a:solidFill>
-              <a:srgbClr val="5A5F5E">
-                <a:alpha val="15947"/>
-              </a:srgbClr>
-            </a:solidFill>
-            <a:miter lim="400000"/>
-          </a:ln>
-        </p:spPr>
-        <p:txBody>
-          <a:bodyPr lIns="50800" tIns="50800" rIns="50800" bIns="50800" anchor="ctr"/>
-          <a:lstStyle/>
-          <a:p>
-            <a:endParaRPr/>
-          </a:p>
-        </p:txBody>
-      </p:sp>
-      <p:pic>
-        <p:nvPicPr>
-          <p:cNvPr id="27" name="norm_quant.jpeg" descr="norm_quant.jpeg"/>
-          <p:cNvPicPr>
-            <a:picLocks noChangeAspect="1"/>
-          </p:cNvPicPr>
-          <p:nvPr/>
-        </p:nvPicPr>
-        <p:blipFill>
-          <a:blip r:embed="rId2"/>
-          <a:srcRect l="7685" t="12299" r="6266" b="13992"/>
-          <a:stretch>
-            <a:fillRect/>
-          </a:stretch>
-        </p:blipFill>
-        <p:spPr>
-          <a:xfrm>
-            <a:off x="11456784" y="8603504"/>
-            <a:ext cx="1259216" cy="763127"/>
-          </a:xfrm>
-          <a:custGeom>
-            <a:avLst/>
-            <a:gdLst/>
-            <a:ahLst/>
-            <a:cxnLst>
-              <a:cxn ang="0">
-                <a:pos x="wd2" y="hd2"/>
-              </a:cxn>
-              <a:cxn ang="5400000">
-                <a:pos x="wd2" y="hd2"/>
-              </a:cxn>
-              <a:cxn ang="10800000">
-                <a:pos x="wd2" y="hd2"/>
-              </a:cxn>
-              <a:cxn ang="16200000">
-                <a:pos x="wd2" y="hd2"/>
-              </a:cxn>
-            </a:cxnLst>
-            <a:rect l="0" t="0" r="r" b="b"/>
-            <a:pathLst>
-              <a:path w="21588" h="21575" extrusionOk="0">
-                <a:moveTo>
-                  <a:pt x="10967" y="0"/>
-                </a:moveTo>
-                <a:cubicBezTo>
-                  <a:pt x="10620" y="33"/>
-                  <a:pt x="10344" y="274"/>
-                  <a:pt x="10014" y="819"/>
-                </a:cubicBezTo>
-                <a:cubicBezTo>
-                  <a:pt x="9987" y="865"/>
-                  <a:pt x="9960" y="917"/>
-                  <a:pt x="9933" y="965"/>
-                </a:cubicBezTo>
-                <a:cubicBezTo>
-                  <a:pt x="9318" y="2043"/>
-                  <a:pt x="8762" y="3752"/>
-                  <a:pt x="7544" y="8281"/>
-                </a:cubicBezTo>
-                <a:cubicBezTo>
-                  <a:pt x="7443" y="8658"/>
-                  <a:pt x="7392" y="8837"/>
-                  <a:pt x="7306" y="9156"/>
-                </a:cubicBezTo>
-                <a:cubicBezTo>
-                  <a:pt x="7307" y="9189"/>
-                  <a:pt x="7299" y="9214"/>
-                  <a:pt x="7286" y="9223"/>
-                </a:cubicBezTo>
-                <a:cubicBezTo>
-                  <a:pt x="7153" y="9714"/>
-                  <a:pt x="7023" y="10202"/>
-                  <a:pt x="6918" y="10581"/>
-                </a:cubicBezTo>
-                <a:cubicBezTo>
-                  <a:pt x="6916" y="10589"/>
-                  <a:pt x="6915" y="10608"/>
-                  <a:pt x="6912" y="10614"/>
-                </a:cubicBezTo>
-                <a:cubicBezTo>
-                  <a:pt x="6699" y="11385"/>
-                  <a:pt x="6514" y="12030"/>
-                  <a:pt x="6354" y="12567"/>
-                </a:cubicBezTo>
-                <a:cubicBezTo>
-                  <a:pt x="6353" y="12580"/>
-                  <a:pt x="6344" y="12593"/>
-                  <a:pt x="6340" y="12600"/>
-                </a:cubicBezTo>
-                <a:cubicBezTo>
-                  <a:pt x="6308" y="12707"/>
-                  <a:pt x="6270" y="12843"/>
-                  <a:pt x="6238" y="12948"/>
-                </a:cubicBezTo>
-                <a:cubicBezTo>
-                  <a:pt x="6194" y="13093"/>
-                  <a:pt x="6152" y="13213"/>
-                  <a:pt x="6109" y="13352"/>
-                </a:cubicBezTo>
-                <a:cubicBezTo>
-                  <a:pt x="6109" y="13372"/>
-                  <a:pt x="6110" y="13379"/>
-                  <a:pt x="6102" y="13386"/>
-                </a:cubicBezTo>
-                <a:cubicBezTo>
-                  <a:pt x="6074" y="13476"/>
-                  <a:pt x="6041" y="13567"/>
-                  <a:pt x="6013" y="13655"/>
-                </a:cubicBezTo>
-                <a:cubicBezTo>
-                  <a:pt x="6009" y="13667"/>
-                  <a:pt x="6011" y="13664"/>
-                  <a:pt x="6007" y="13678"/>
-                </a:cubicBezTo>
-                <a:cubicBezTo>
-                  <a:pt x="6005" y="13683"/>
-                  <a:pt x="6002" y="13684"/>
-                  <a:pt x="6000" y="13689"/>
-                </a:cubicBezTo>
-                <a:cubicBezTo>
-                  <a:pt x="5386" y="15618"/>
-                  <a:pt x="4805" y="17096"/>
-                  <a:pt x="4197" y="18177"/>
-                </a:cubicBezTo>
-                <a:cubicBezTo>
-                  <a:pt x="4193" y="18190"/>
-                  <a:pt x="4197" y="18196"/>
-                  <a:pt x="4190" y="18211"/>
-                </a:cubicBezTo>
-                <a:cubicBezTo>
-                  <a:pt x="4177" y="18236"/>
-                  <a:pt x="4160" y="18264"/>
-                  <a:pt x="4142" y="18278"/>
-                </a:cubicBezTo>
-                <a:cubicBezTo>
-                  <a:pt x="4111" y="18331"/>
-                  <a:pt x="4078" y="18383"/>
-                  <a:pt x="4047" y="18435"/>
-                </a:cubicBezTo>
-                <a:cubicBezTo>
-                  <a:pt x="4033" y="18470"/>
-                  <a:pt x="4019" y="18495"/>
-                  <a:pt x="3999" y="18525"/>
-                </a:cubicBezTo>
-                <a:cubicBezTo>
-                  <a:pt x="3988" y="18543"/>
-                  <a:pt x="3981" y="18547"/>
-                  <a:pt x="3972" y="18558"/>
-                </a:cubicBezTo>
-                <a:cubicBezTo>
-                  <a:pt x="3371" y="19526"/>
-                  <a:pt x="2740" y="20155"/>
-                  <a:pt x="2013" y="20556"/>
-                </a:cubicBezTo>
-                <a:cubicBezTo>
-                  <a:pt x="1944" y="20594"/>
-                  <a:pt x="1865" y="20631"/>
-                  <a:pt x="1788" y="20668"/>
-                </a:cubicBezTo>
-                <a:cubicBezTo>
-                  <a:pt x="1784" y="20671"/>
-                  <a:pt x="1777" y="20679"/>
-                  <a:pt x="1775" y="20679"/>
-                </a:cubicBezTo>
-                <a:cubicBezTo>
-                  <a:pt x="1442" y="20836"/>
-                  <a:pt x="1063" y="20965"/>
-                  <a:pt x="795" y="21016"/>
-                </a:cubicBezTo>
-                <a:cubicBezTo>
-                  <a:pt x="633" y="21046"/>
-                  <a:pt x="600" y="21072"/>
-                  <a:pt x="577" y="21173"/>
-                </a:cubicBezTo>
-                <a:cubicBezTo>
-                  <a:pt x="551" y="21285"/>
-                  <a:pt x="537" y="21296"/>
-                  <a:pt x="284" y="21296"/>
-                </a:cubicBezTo>
-                <a:cubicBezTo>
-                  <a:pt x="56" y="21296"/>
-                  <a:pt x="17" y="21301"/>
-                  <a:pt x="5" y="21375"/>
-                </a:cubicBezTo>
-                <a:cubicBezTo>
-                  <a:pt x="-2" y="21422"/>
-                  <a:pt x="-1" y="21487"/>
-                  <a:pt x="5" y="21521"/>
-                </a:cubicBezTo>
-                <a:cubicBezTo>
-                  <a:pt x="22" y="21600"/>
-                  <a:pt x="21568" y="21589"/>
-                  <a:pt x="21561" y="21509"/>
-                </a:cubicBezTo>
-                <a:cubicBezTo>
-                  <a:pt x="21558" y="21482"/>
-                  <a:pt x="21567" y="21428"/>
-                  <a:pt x="21581" y="21386"/>
-                </a:cubicBezTo>
-                <a:cubicBezTo>
-                  <a:pt x="21598" y="21334"/>
-                  <a:pt x="21584" y="21269"/>
-                  <a:pt x="21540" y="21184"/>
-                </a:cubicBezTo>
-                <a:cubicBezTo>
-                  <a:pt x="21484" y="21076"/>
-                  <a:pt x="21424" y="21043"/>
-                  <a:pt x="21146" y="20971"/>
-                </a:cubicBezTo>
-                <a:cubicBezTo>
-                  <a:pt x="21141" y="20972"/>
-                  <a:pt x="21142" y="20972"/>
-                  <a:pt x="21139" y="20971"/>
-                </a:cubicBezTo>
-                <a:cubicBezTo>
-                  <a:pt x="21006" y="20936"/>
-                  <a:pt x="20876" y="20891"/>
-                  <a:pt x="20751" y="20847"/>
-                </a:cubicBezTo>
-                <a:cubicBezTo>
-                  <a:pt x="20709" y="20840"/>
-                  <a:pt x="20670" y="20832"/>
-                  <a:pt x="20656" y="20814"/>
-                </a:cubicBezTo>
-                <a:cubicBezTo>
-                  <a:pt x="20474" y="20746"/>
-                  <a:pt x="20298" y="20667"/>
-                  <a:pt x="20132" y="20578"/>
-                </a:cubicBezTo>
-                <a:cubicBezTo>
-                  <a:pt x="20125" y="20578"/>
-                  <a:pt x="20118" y="20574"/>
-                  <a:pt x="20111" y="20567"/>
-                </a:cubicBezTo>
-                <a:cubicBezTo>
-                  <a:pt x="19679" y="20332"/>
-                  <a:pt x="19291" y="20019"/>
-                  <a:pt x="18928" y="19613"/>
-                </a:cubicBezTo>
-                <a:cubicBezTo>
-                  <a:pt x="18919" y="19605"/>
-                  <a:pt x="18916" y="19600"/>
-                  <a:pt x="18907" y="19591"/>
-                </a:cubicBezTo>
-                <a:cubicBezTo>
-                  <a:pt x="18900" y="19583"/>
-                  <a:pt x="18893" y="19576"/>
-                  <a:pt x="18887" y="19568"/>
-                </a:cubicBezTo>
-                <a:cubicBezTo>
-                  <a:pt x="18830" y="19503"/>
-                  <a:pt x="18779" y="19436"/>
-                  <a:pt x="18723" y="19366"/>
-                </a:cubicBezTo>
-                <a:cubicBezTo>
-                  <a:pt x="18720" y="19367"/>
-                  <a:pt x="18714" y="19365"/>
-                  <a:pt x="18710" y="19366"/>
-                </a:cubicBezTo>
-                <a:cubicBezTo>
-                  <a:pt x="18686" y="19371"/>
-                  <a:pt x="18627" y="19281"/>
-                  <a:pt x="18587" y="19198"/>
-                </a:cubicBezTo>
-                <a:cubicBezTo>
-                  <a:pt x="18510" y="19095"/>
-                  <a:pt x="18432" y="18985"/>
-                  <a:pt x="18356" y="18873"/>
-                </a:cubicBezTo>
-                <a:cubicBezTo>
-                  <a:pt x="18353" y="18871"/>
-                  <a:pt x="18351" y="18864"/>
-                  <a:pt x="18349" y="18861"/>
-                </a:cubicBezTo>
-                <a:cubicBezTo>
-                  <a:pt x="18294" y="18780"/>
-                  <a:pt x="18240" y="18702"/>
-                  <a:pt x="18186" y="18614"/>
-                </a:cubicBezTo>
-                <a:cubicBezTo>
-                  <a:pt x="17775" y="17959"/>
-                  <a:pt x="17463" y="17349"/>
-                  <a:pt x="17104" y="16483"/>
-                </a:cubicBezTo>
-                <a:cubicBezTo>
-                  <a:pt x="17087" y="16455"/>
-                  <a:pt x="17076" y="16412"/>
-                  <a:pt x="17063" y="16370"/>
-                </a:cubicBezTo>
-                <a:cubicBezTo>
-                  <a:pt x="17061" y="16363"/>
-                  <a:pt x="17058" y="16366"/>
-                  <a:pt x="17056" y="16359"/>
-                </a:cubicBezTo>
-                <a:cubicBezTo>
-                  <a:pt x="17037" y="16312"/>
-                  <a:pt x="17022" y="16274"/>
-                  <a:pt x="17002" y="16225"/>
-                </a:cubicBezTo>
-                <a:cubicBezTo>
-                  <a:pt x="16863" y="15881"/>
-                  <a:pt x="16729" y="15535"/>
-                  <a:pt x="16601" y="15181"/>
-                </a:cubicBezTo>
-                <a:cubicBezTo>
-                  <a:pt x="16592" y="15163"/>
-                  <a:pt x="16592" y="15152"/>
-                  <a:pt x="16587" y="15136"/>
-                </a:cubicBezTo>
-                <a:cubicBezTo>
-                  <a:pt x="16315" y="14383"/>
-                  <a:pt x="16029" y="13464"/>
-                  <a:pt x="15696" y="12320"/>
-                </a:cubicBezTo>
-                <a:cubicBezTo>
-                  <a:pt x="15679" y="12291"/>
-                  <a:pt x="15664" y="12242"/>
-                  <a:pt x="15648" y="12163"/>
-                </a:cubicBezTo>
-                <a:cubicBezTo>
-                  <a:pt x="15514" y="11699"/>
-                  <a:pt x="15366" y="11192"/>
-                  <a:pt x="15206" y="10614"/>
-                </a:cubicBezTo>
-                <a:cubicBezTo>
-                  <a:pt x="15192" y="10579"/>
-                  <a:pt x="15181" y="10530"/>
-                  <a:pt x="15172" y="10480"/>
-                </a:cubicBezTo>
-                <a:cubicBezTo>
-                  <a:pt x="15085" y="10167"/>
-                  <a:pt x="14989" y="9822"/>
-                  <a:pt x="14893" y="9470"/>
-                </a:cubicBezTo>
-                <a:cubicBezTo>
-                  <a:pt x="14885" y="9463"/>
-                  <a:pt x="14879" y="9447"/>
-                  <a:pt x="14879" y="9425"/>
-                </a:cubicBezTo>
-                <a:cubicBezTo>
-                  <a:pt x="14786" y="9084"/>
-                  <a:pt x="14717" y="8830"/>
-                  <a:pt x="14614" y="8449"/>
-                </a:cubicBezTo>
-                <a:cubicBezTo>
-                  <a:pt x="14560" y="8250"/>
-                  <a:pt x="14541" y="8183"/>
-                  <a:pt x="14491" y="8000"/>
-                </a:cubicBezTo>
-                <a:cubicBezTo>
-                  <a:pt x="13853" y="5643"/>
-                  <a:pt x="13510" y="4430"/>
-                  <a:pt x="13233" y="3579"/>
-                </a:cubicBezTo>
-                <a:cubicBezTo>
-                  <a:pt x="12600" y="1643"/>
-                  <a:pt x="12102" y="617"/>
-                  <a:pt x="11593" y="202"/>
-                </a:cubicBezTo>
-                <a:cubicBezTo>
-                  <a:pt x="11414" y="56"/>
-                  <a:pt x="11335" y="16"/>
-                  <a:pt x="11157" y="0"/>
-                </a:cubicBezTo>
-                <a:lnTo>
-                  <a:pt x="11008" y="0"/>
-                </a:lnTo>
-                <a:lnTo>
-                  <a:pt x="10967" y="0"/>
-                </a:lnTo>
-                <a:close/>
-                <a:moveTo>
-                  <a:pt x="16988" y="17190"/>
-                </a:moveTo>
-                <a:cubicBezTo>
-                  <a:pt x="17071" y="17171"/>
-                  <a:pt x="17192" y="17226"/>
-                  <a:pt x="17192" y="17313"/>
-                </a:cubicBezTo>
-                <a:cubicBezTo>
-                  <a:pt x="17192" y="17341"/>
-                  <a:pt x="17221" y="17424"/>
-                  <a:pt x="17254" y="17492"/>
-                </a:cubicBezTo>
-                <a:cubicBezTo>
-                  <a:pt x="17286" y="17561"/>
-                  <a:pt x="17304" y="17636"/>
-                  <a:pt x="17295" y="17661"/>
-                </a:cubicBezTo>
-                <a:cubicBezTo>
-                  <a:pt x="17285" y="17685"/>
-                  <a:pt x="17273" y="17771"/>
-                  <a:pt x="17267" y="17852"/>
-                </a:cubicBezTo>
-                <a:cubicBezTo>
-                  <a:pt x="17255" y="18013"/>
-                  <a:pt x="17313" y="18045"/>
-                  <a:pt x="17376" y="17919"/>
-                </a:cubicBezTo>
-                <a:cubicBezTo>
-                  <a:pt x="17419" y="17833"/>
-                  <a:pt x="17474" y="17875"/>
-                  <a:pt x="17451" y="17975"/>
-                </a:cubicBezTo>
-                <a:cubicBezTo>
-                  <a:pt x="17441" y="18018"/>
-                  <a:pt x="17458" y="18042"/>
-                  <a:pt x="17492" y="18042"/>
-                </a:cubicBezTo>
-                <a:cubicBezTo>
-                  <a:pt x="17571" y="18042"/>
-                  <a:pt x="17588" y="18100"/>
-                  <a:pt x="17539" y="18188"/>
-                </a:cubicBezTo>
-                <a:cubicBezTo>
-                  <a:pt x="17501" y="18258"/>
-                  <a:pt x="17509" y="18267"/>
-                  <a:pt x="17594" y="18267"/>
-                </a:cubicBezTo>
-                <a:cubicBezTo>
-                  <a:pt x="17687" y="18266"/>
-                  <a:pt x="17689" y="18275"/>
-                  <a:pt x="17689" y="18491"/>
-                </a:cubicBezTo>
-                <a:cubicBezTo>
-                  <a:pt x="17689" y="18679"/>
-                  <a:pt x="17701" y="18747"/>
-                  <a:pt x="17737" y="18727"/>
-                </a:cubicBezTo>
-                <a:cubicBezTo>
-                  <a:pt x="17858" y="18660"/>
-                  <a:pt x="17941" y="18760"/>
-                  <a:pt x="17921" y="18951"/>
-                </a:cubicBezTo>
-                <a:cubicBezTo>
-                  <a:pt x="17904" y="19108"/>
-                  <a:pt x="17935" y="19195"/>
-                  <a:pt x="17982" y="19131"/>
-                </a:cubicBezTo>
-                <a:cubicBezTo>
-                  <a:pt x="18004" y="19101"/>
-                  <a:pt x="18026" y="19091"/>
-                  <a:pt x="18036" y="19108"/>
-                </a:cubicBezTo>
-                <a:cubicBezTo>
-                  <a:pt x="18047" y="19125"/>
-                  <a:pt x="18074" y="19118"/>
-                  <a:pt x="18097" y="19086"/>
-                </a:cubicBezTo>
-                <a:cubicBezTo>
-                  <a:pt x="18143" y="19023"/>
-                  <a:pt x="18196" y="19093"/>
-                  <a:pt x="18165" y="19176"/>
-                </a:cubicBezTo>
-                <a:cubicBezTo>
-                  <a:pt x="18156" y="19200"/>
-                  <a:pt x="18172" y="19226"/>
-                  <a:pt x="18199" y="19243"/>
-                </a:cubicBezTo>
-                <a:cubicBezTo>
-                  <a:pt x="18237" y="19267"/>
-                  <a:pt x="18240" y="19289"/>
-                  <a:pt x="18213" y="19333"/>
-                </a:cubicBezTo>
-                <a:cubicBezTo>
-                  <a:pt x="18165" y="19412"/>
-                  <a:pt x="18168" y="19477"/>
-                  <a:pt x="18220" y="19445"/>
-                </a:cubicBezTo>
-                <a:cubicBezTo>
-                  <a:pt x="18283" y="19405"/>
-                  <a:pt x="18455" y="19617"/>
-                  <a:pt x="18417" y="19692"/>
-                </a:cubicBezTo>
-                <a:cubicBezTo>
-                  <a:pt x="18388" y="19750"/>
-                  <a:pt x="18407" y="19910"/>
-                  <a:pt x="18444" y="19916"/>
-                </a:cubicBezTo>
-                <a:cubicBezTo>
-                  <a:pt x="18455" y="19918"/>
-                  <a:pt x="18504" y="19927"/>
-                  <a:pt x="18560" y="19938"/>
-                </a:cubicBezTo>
-                <a:cubicBezTo>
-                  <a:pt x="18616" y="19950"/>
-                  <a:pt x="18683" y="19944"/>
-                  <a:pt x="18703" y="19916"/>
-                </a:cubicBezTo>
-                <a:cubicBezTo>
-                  <a:pt x="18786" y="19803"/>
-                  <a:pt x="18895" y="19993"/>
-                  <a:pt x="18880" y="20219"/>
-                </a:cubicBezTo>
-                <a:cubicBezTo>
-                  <a:pt x="18872" y="20332"/>
-                  <a:pt x="18886" y="20343"/>
-                  <a:pt x="18975" y="20331"/>
-                </a:cubicBezTo>
-                <a:cubicBezTo>
-                  <a:pt x="19073" y="20318"/>
-                  <a:pt x="19157" y="20413"/>
-                  <a:pt x="19125" y="20499"/>
-                </a:cubicBezTo>
-                <a:cubicBezTo>
-                  <a:pt x="19116" y="20524"/>
-                  <a:pt x="19132" y="20584"/>
-                  <a:pt x="19166" y="20634"/>
-                </a:cubicBezTo>
-                <a:cubicBezTo>
-                  <a:pt x="19214" y="20707"/>
-                  <a:pt x="19282" y="20726"/>
-                  <a:pt x="19485" y="20735"/>
-                </a:cubicBezTo>
-                <a:cubicBezTo>
-                  <a:pt x="19821" y="20750"/>
-                  <a:pt x="19863" y="20769"/>
-                  <a:pt x="19866" y="20881"/>
-                </a:cubicBezTo>
-                <a:cubicBezTo>
-                  <a:pt x="19875" y="21141"/>
-                  <a:pt x="20018" y="21220"/>
-                  <a:pt x="20173" y="21061"/>
-                </a:cubicBezTo>
-                <a:cubicBezTo>
-                  <a:pt x="20222" y="21009"/>
-                  <a:pt x="20252" y="21011"/>
-                  <a:pt x="20295" y="21049"/>
-                </a:cubicBezTo>
-                <a:cubicBezTo>
-                  <a:pt x="20327" y="21078"/>
-                  <a:pt x="20364" y="21088"/>
-                  <a:pt x="20377" y="21083"/>
-                </a:cubicBezTo>
-                <a:cubicBezTo>
-                  <a:pt x="20426" y="21065"/>
-                  <a:pt x="20564" y="21193"/>
-                  <a:pt x="20547" y="21240"/>
-                </a:cubicBezTo>
-                <a:cubicBezTo>
-                  <a:pt x="20525" y="21298"/>
-                  <a:pt x="16894" y="21309"/>
-                  <a:pt x="16893" y="21251"/>
-                </a:cubicBezTo>
-                <a:cubicBezTo>
-                  <a:pt x="16879" y="20452"/>
-                  <a:pt x="16907" y="17275"/>
-                  <a:pt x="16927" y="17234"/>
-                </a:cubicBezTo>
-                <a:cubicBezTo>
-                  <a:pt x="16940" y="17209"/>
-                  <a:pt x="16961" y="17196"/>
-                  <a:pt x="16988" y="17190"/>
-                </a:cubicBezTo>
-                <a:close/>
-              </a:path>
-            </a:pathLst>
-          </a:custGeom>
-          <a:ln w="12700">
-            <a:miter lim="400000"/>
-          </a:ln>
-        </p:spPr>
-      </p:pic>
-      <p:sp>
-        <p:nvSpPr>
-          <p:cNvPr id="28" name="幻燈片編號"/>
-          <p:cNvSpPr txBox="1">
-            <a:spLocks noGrp="1"/>
-          </p:cNvSpPr>
-          <p:nvPr>
-            <p:ph type="sldNum" sz="quarter" idx="2"/>
-          </p:nvPr>
-        </p:nvSpPr>
-        <p:spPr>
-          <a:xfrm>
-            <a:off x="11741879" y="213147"/>
-            <a:ext cx="494413" cy="399033"/>
-          </a:xfrm>
-          <a:prstGeom prst="rect">
-            <a:avLst/>
-          </a:prstGeom>
-        </p:spPr>
-        <p:txBody>
-          <a:bodyPr wrap="square"/>
-          <a:lstStyle>
-            <a:lvl1pPr algn="r" defTabSz="457200">
-              <a:spcBef>
-                <a:spcPts val="1200"/>
-              </a:spcBef>
-              <a:defRPr sz="2000">
-                <a:solidFill>
-                  <a:srgbClr val="5A5F5E"/>
-                </a:solidFill>
-                <a:latin typeface="Helvetica Neue Thin"/>
-                <a:ea typeface="Helvetica Neue Thin"/>
-                <a:cs typeface="Helvetica Neue Thin"/>
-                <a:sym typeface="Helvetica Neue Thin"/>
-              </a:defRPr>
-            </a:lvl1pPr>
-          </a:lstStyle>
-          <a:p>
-            <a:fld id="{86CB4B4D-7CA3-9044-876B-883B54F8677D}" type="slidenum">
-              <a:t>‹#›</a:t>
-            </a:fld>
-            <a:endParaRPr/>
-          </a:p>
-        </p:txBody>
-      </p:sp>
-    </p:spTree>
-  </p:cSld>
-  <p:clrMapOvr>
-    <a:masterClrMapping/>
-  </p:clrMapOvr>
-  <p:transition spd="med"/>
-</p:sldLayout>
-</file>
-
-<file path=ppt/slideLayouts/slideLayout3.xml><?xml version="1.0" encoding="utf-8"?>
-<p:sldLayout xmlns:a="http://schemas.openxmlformats.org/drawingml/2006/main" xmlns:r="http://schemas.openxmlformats.org/officeDocument/2006/relationships" xmlns:p="http://schemas.openxmlformats.org/presentationml/2006/main" showMasterSp="0" type="tx">
   <p:cSld name="Conten">
     <p:spTree>
       <p:nvGrpSpPr>
@@ -2484,7 +1682,7 @@
           <p:nvPr/>
         </p:nvPicPr>
         <p:blipFill>
-          <a:blip r:embed="rId5"/>
+          <a:blip r:embed="rId4"/>
           <a:stretch>
             <a:fillRect/>
           </a:stretch>
@@ -2521,7 +1719,7 @@
           </a:ln>
           <a:extLst>
             <a:ext uri="{C572A759-6A51-4108-AA02-DFA0A04FC94B}">
-              <ma14:wrappingTextBoxFlag xmlns="" xmlns:m="http://schemas.openxmlformats.org/officeDocument/2006/math" xmlns:a14="http://schemas.microsoft.com/office/drawing/2010/main" xmlns:ma14="http://schemas.microsoft.com/office/mac/drawingml/2011/main" val="1"/>
+              <ma14:wrappingTextBoxFlag xmlns:ma14="http://schemas.microsoft.com/office/mac/drawingml/2011/main" xmlns:a14="http://schemas.microsoft.com/office/drawing/2010/main" xmlns:m="http://schemas.openxmlformats.org/officeDocument/2006/math" xmlns="" val="1"/>
             </a:ext>
           </a:extLst>
         </p:spPr>
@@ -2567,7 +1765,7 @@
           </a:ln>
           <a:extLst>
             <a:ext uri="{C572A759-6A51-4108-AA02-DFA0A04FC94B}">
-              <ma14:wrappingTextBoxFlag xmlns="" xmlns:m="http://schemas.openxmlformats.org/officeDocument/2006/math" xmlns:a14="http://schemas.microsoft.com/office/drawing/2010/main" xmlns:ma14="http://schemas.microsoft.com/office/mac/drawingml/2011/main" val="1"/>
+              <ma14:wrappingTextBoxFlag xmlns:ma14="http://schemas.microsoft.com/office/mac/drawingml/2011/main" xmlns:a14="http://schemas.microsoft.com/office/drawing/2010/main" xmlns:m="http://schemas.openxmlformats.org/officeDocument/2006/math" xmlns="" val="1"/>
             </a:ext>
           </a:extLst>
         </p:spPr>
@@ -2606,7 +1804,7 @@
           </a:ln>
           <a:extLst>
             <a:ext uri="{C572A759-6A51-4108-AA02-DFA0A04FC94B}">
-              <ma14:wrappingTextBoxFlag xmlns="" xmlns:m="http://schemas.openxmlformats.org/officeDocument/2006/math" xmlns:a14="http://schemas.microsoft.com/office/drawing/2010/main" xmlns:ma14="http://schemas.microsoft.com/office/mac/drawingml/2011/main" val="1"/>
+              <ma14:wrappingTextBoxFlag xmlns:ma14="http://schemas.microsoft.com/office/mac/drawingml/2011/main" xmlns:a14="http://schemas.microsoft.com/office/drawing/2010/main" xmlns:m="http://schemas.openxmlformats.org/officeDocument/2006/math" xmlns="" val="1"/>
             </a:ext>
           </a:extLst>
         </p:spPr>
@@ -2698,8 +1896,7 @@
   <p:clrMap bg1="dk1" tx1="lt1" bg2="dk2" tx2="lt2" accent1="accent1" accent2="accent2" accent3="accent3" accent4="accent4" accent5="accent5" accent6="accent6" hlink="hlink" folHlink="folHlink"/>
   <p:sldLayoutIdLst>
     <p:sldLayoutId id="2147483649" r:id="rId1"/>
-    <p:sldLayoutId id="2147483650" r:id="rId2"/>
-    <p:sldLayoutId id="2147483651" r:id="rId3"/>
+    <p:sldLayoutId id="2147483651" r:id="rId2"/>
   </p:sldLayoutIdLst>
   <p:transition spd="med"/>
   <p:txStyles>
@@ -3444,8 +2641,8 @@
         </p:nvSpPr>
         <p:spPr>
           <a:xfrm>
-            <a:off x="773350" y="3523992"/>
-            <a:ext cx="11458100" cy="1760787"/>
+            <a:off x="773349" y="3523992"/>
+            <a:ext cx="11778869" cy="1760787"/>
           </a:xfrm>
           <a:prstGeom prst="rect">
             <a:avLst/>
@@ -3453,23 +2650,13 @@
         </p:spPr>
         <p:txBody>
           <a:bodyPr>
-            <a:normAutofit fontScale="85000" lnSpcReduction="20000"/>
+            <a:normAutofit/>
           </a:bodyPr>
           <a:lstStyle/>
           <a:p>
             <a:pPr defTabSz="531622">
               <a:defRPr sz="5005"/>
             </a:pPr>
-            <a:r>
-              <a:rPr lang="zh-TW" altLang="en-US" b="0" i="0" dirty="0">
-                <a:solidFill>
-                  <a:srgbClr val="C00000"/>
-                </a:solidFill>
-                <a:effectLst/>
-                <a:latin typeface="-apple-system"/>
-              </a:rPr>
-              <a:t>基於</a:t>
-            </a:r>
             <a:r>
               <a:rPr lang="en-US" altLang="zh-TW" b="0" i="0" dirty="0">
                 <a:solidFill>
@@ -3478,51 +2665,13 @@
                 <a:effectLst/>
                 <a:latin typeface="-apple-system"/>
               </a:rPr>
-              <a:t>ESG</a:t>
+              <a:t>Forecasting ESG score Based on 10-K Annual Reports</a:t>
             </a:r>
-            <a:r>
-              <a:rPr lang="zh-TW" altLang="en-US" b="0" i="0" dirty="0">
-                <a:solidFill>
-                  <a:srgbClr val="C00000"/>
-                </a:solidFill>
-                <a:effectLst/>
-                <a:latin typeface="-apple-system"/>
-              </a:rPr>
-              <a:t>語氣用字的投資策略報酬預測</a:t>
-            </a:r>
-            <a:endParaRPr lang="en-US" altLang="zh-TW" b="0" i="0" dirty="0">
-              <a:solidFill>
-                <a:srgbClr val="C00000"/>
-              </a:solidFill>
-              <a:effectLst/>
-              <a:latin typeface="-apple-system"/>
-            </a:endParaRPr>
           </a:p>
           <a:p>
             <a:pPr defTabSz="531622">
               <a:defRPr sz="5005"/>
             </a:pPr>
-            <a:endParaRPr lang="en-US" altLang="zh-TW" b="0" i="0" dirty="0">
-              <a:solidFill>
-                <a:srgbClr val="C00000"/>
-              </a:solidFill>
-              <a:effectLst/>
-              <a:latin typeface="-apple-system"/>
-            </a:endParaRPr>
-          </a:p>
-          <a:p>
-            <a:pPr defTabSz="531622">
-              <a:defRPr sz="5005"/>
-            </a:pPr>
-            <a:r>
-              <a:rPr lang="en-US" altLang="zh-TW" dirty="0">
-                <a:solidFill>
-                  <a:srgbClr val="C00000"/>
-                </a:solidFill>
-                <a:latin typeface="-apple-system"/>
-              </a:rPr>
-              <a:t>Sabrina</a:t>
-            </a:r>
             <a:endParaRPr dirty="0">
               <a:solidFill>
                 <a:srgbClr val="C00000"/>
@@ -3591,7 +2740,7 @@
           </a:custGeom>
           <a:extLst>
             <a:ext uri="{C572A759-6A51-4108-AA02-DFA0A04FC94B}">
-              <ma14:wrappingTextBoxFlag xmlns="" xmlns:m="http://schemas.openxmlformats.org/officeDocument/2006/math" xmlns:a14="http://schemas.microsoft.com/office/drawing/2010/main" xmlns:ma14="http://schemas.microsoft.com/office/mac/drawingml/2011/main" val="1"/>
+              <ma14:wrappingTextBoxFlag xmlns:ma14="http://schemas.microsoft.com/office/mac/drawingml/2011/main" xmlns:a14="http://schemas.microsoft.com/office/drawing/2010/main" xmlns:m="http://schemas.openxmlformats.org/officeDocument/2006/math" xmlns="" val="1"/>
             </a:ext>
           </a:extLst>
         </p:spPr>
@@ -3665,7 +2814,7 @@
           </a:custGeom>
           <a:extLst>
             <a:ext uri="{C572A759-6A51-4108-AA02-DFA0A04FC94B}">
-              <ma14:wrappingTextBoxFlag xmlns="" xmlns:m="http://schemas.openxmlformats.org/officeDocument/2006/math" xmlns:a14="http://schemas.microsoft.com/office/drawing/2010/main" xmlns:ma14="http://schemas.microsoft.com/office/mac/drawingml/2011/main" val="1"/>
+              <ma14:wrappingTextBoxFlag xmlns:ma14="http://schemas.microsoft.com/office/mac/drawingml/2011/main" xmlns:a14="http://schemas.microsoft.com/office/drawing/2010/main" xmlns:m="http://schemas.openxmlformats.org/officeDocument/2006/math" xmlns="" val="1"/>
             </a:ext>
           </a:extLst>
         </p:spPr>
@@ -3698,7 +2847,7 @@
           </a:ln>
           <a:extLst>
             <a:ext uri="{C572A759-6A51-4108-AA02-DFA0A04FC94B}">
-              <ma14:wrappingTextBoxFlag xmlns="" xmlns:m="http://schemas.openxmlformats.org/officeDocument/2006/math" xmlns:a14="http://schemas.microsoft.com/office/drawing/2010/main" xmlns:ma14="http://schemas.microsoft.com/office/mac/drawingml/2011/main" val="1"/>
+              <ma14:wrappingTextBoxFlag xmlns:ma14="http://schemas.microsoft.com/office/mac/drawingml/2011/main" xmlns:a14="http://schemas.microsoft.com/office/drawing/2010/main" xmlns:m="http://schemas.openxmlformats.org/officeDocument/2006/math" xmlns="" val="1"/>
             </a:ext>
           </a:extLst>
         </p:spPr>
@@ -3728,526 +2877,6 @@
 </file>
 
 <file path=ppt/slides/slide2.xml><?xml version="1.0" encoding="utf-8"?>
-<p:sld xmlns:a="http://schemas.openxmlformats.org/drawingml/2006/main" xmlns:r="http://schemas.openxmlformats.org/officeDocument/2006/relationships" xmlns:p="http://schemas.openxmlformats.org/presentationml/2006/main">
-  <p:cSld>
-    <p:spTree>
-      <p:nvGrpSpPr>
-        <p:cNvPr id="1" name=""/>
-        <p:cNvGrpSpPr/>
-        <p:nvPr/>
-      </p:nvGrpSpPr>
-      <p:grpSpPr>
-        <a:xfrm>
-          <a:off x="0" y="0"/>
-          <a:ext cx="0" cy="0"/>
-          <a:chOff x="0" y="0"/>
-          <a:chExt cx="0" cy="0"/>
-        </a:xfrm>
-      </p:grpSpPr>
-      <p:sp>
-        <p:nvSpPr>
-          <p:cNvPr id="3" name="文字版面配置區 2">
-            <a:extLst>
-              <a:ext uri="{FF2B5EF4-FFF2-40B4-BE49-F238E27FC236}">
-                <a16:creationId xmlns:a16="http://schemas.microsoft.com/office/drawing/2014/main" id="{7E9F2B62-4C5F-160B-FF33-C16062C230DD}"/>
-              </a:ext>
-            </a:extLst>
-          </p:cNvPr>
-          <p:cNvSpPr>
-            <a:spLocks noGrp="1"/>
-          </p:cNvSpPr>
-          <p:nvPr>
-            <p:ph type="body" sz="quarter" idx="22"/>
-          </p:nvPr>
-        </p:nvSpPr>
-        <p:spPr>
-          <a:xfrm>
-            <a:off x="761999" y="1581811"/>
-            <a:ext cx="11467783" cy="5919569"/>
-          </a:xfrm>
-        </p:spPr>
-        <p:txBody>
-          <a:bodyPr/>
-          <a:lstStyle/>
-          <a:p>
-            <a:pPr marL="685800" indent="-685800">
-              <a:buFont typeface="Arial" panose="020B0604020202020204" pitchFamily="34" charset="0"/>
-              <a:buChar char="•"/>
-            </a:pPr>
-            <a:r>
-              <a:rPr lang="en-US" altLang="zh-TW" dirty="0"/>
-              <a:t>Motivation</a:t>
-            </a:r>
-          </a:p>
-          <a:p>
-            <a:pPr marL="685800" indent="-685800">
-              <a:buFont typeface="Arial" panose="020B0604020202020204" pitchFamily="34" charset="0"/>
-              <a:buChar char="•"/>
-            </a:pPr>
-            <a:r>
-              <a:rPr lang="en-US" altLang="zh-TW" dirty="0"/>
-              <a:t>Method</a:t>
-            </a:r>
-          </a:p>
-          <a:p>
-            <a:pPr marL="685800" indent="-685800">
-              <a:buFont typeface="Arial" panose="020B0604020202020204" pitchFamily="34" charset="0"/>
-              <a:buChar char="•"/>
-            </a:pPr>
-            <a:r>
-              <a:rPr lang="en-US" altLang="zh-TW" dirty="0"/>
-              <a:t>KPI</a:t>
-            </a:r>
-          </a:p>
-          <a:p>
-            <a:pPr marL="685800" indent="-685800">
-              <a:buFont typeface="Arial" panose="020B0604020202020204" pitchFamily="34" charset="0"/>
-              <a:buChar char="•"/>
-            </a:pPr>
-            <a:endParaRPr lang="en-US" altLang="zh-TW" dirty="0"/>
-          </a:p>
-          <a:p>
-            <a:pPr marL="685800" indent="-685800">
-              <a:buFont typeface="Arial" panose="020B0604020202020204" pitchFamily="34" charset="0"/>
-              <a:buChar char="•"/>
-            </a:pPr>
-            <a:endParaRPr lang="en-US" altLang="zh-TW" dirty="0"/>
-          </a:p>
-          <a:p>
-            <a:pPr marL="685800" indent="-685800">
-              <a:buFont typeface="Arial" panose="020B0604020202020204" pitchFamily="34" charset="0"/>
-              <a:buChar char="•"/>
-            </a:pPr>
-            <a:endParaRPr lang="en-US" altLang="zh-TW" dirty="0"/>
-          </a:p>
-          <a:p>
-            <a:endParaRPr lang="zh-TW" altLang="en-US" dirty="0"/>
-          </a:p>
-        </p:txBody>
-      </p:sp>
-    </p:spTree>
-    <p:extLst>
-      <p:ext uri="{BB962C8B-B14F-4D97-AF65-F5344CB8AC3E}">
-        <p14:creationId xmlns:p14="http://schemas.microsoft.com/office/powerpoint/2010/main" val="1674137696"/>
-      </p:ext>
-    </p:extLst>
-  </p:cSld>
-  <p:clrMapOvr>
-    <a:masterClrMapping/>
-  </p:clrMapOvr>
-  <p:transition spd="med"/>
-</p:sld>
-</file>
-
-<file path=ppt/slides/slide3.xml><?xml version="1.0" encoding="utf-8"?>
-<p:sld xmlns:a="http://schemas.openxmlformats.org/drawingml/2006/main" xmlns:r="http://schemas.openxmlformats.org/officeDocument/2006/relationships" xmlns:p="http://schemas.openxmlformats.org/presentationml/2006/main">
-  <p:cSld>
-    <p:spTree>
-      <p:nvGrpSpPr>
-        <p:cNvPr id="1" name=""/>
-        <p:cNvGrpSpPr/>
-        <p:nvPr/>
-      </p:nvGrpSpPr>
-      <p:grpSpPr>
-        <a:xfrm>
-          <a:off x="0" y="0"/>
-          <a:ext cx="0" cy="0"/>
-          <a:chOff x="0" y="0"/>
-          <a:chExt cx="0" cy="0"/>
-        </a:xfrm>
-      </p:grpSpPr>
-      <p:sp>
-        <p:nvSpPr>
-          <p:cNvPr id="56" name="幻燈片編號"/>
-          <p:cNvSpPr txBox="1">
-            <a:spLocks noGrp="1"/>
-          </p:cNvSpPr>
-          <p:nvPr>
-            <p:ph type="sldNum" sz="quarter" idx="2"/>
-          </p:nvPr>
-        </p:nvSpPr>
-        <p:spPr>
-          <a:prstGeom prst="rect">
-            <a:avLst/>
-          </a:prstGeom>
-          <a:extLst>
-            <a:ext uri="{C572A759-6A51-4108-AA02-DFA0A04FC94B}">
-              <ma14:wrappingTextBoxFlag xmlns="" xmlns:m="http://schemas.openxmlformats.org/officeDocument/2006/math" xmlns:a14="http://schemas.microsoft.com/office/drawing/2010/main" xmlns:ma14="http://schemas.microsoft.com/office/mac/drawingml/2011/main" val="1"/>
-            </a:ext>
-          </a:extLst>
-        </p:spPr>
-        <p:txBody>
-          <a:bodyPr>
-            <a:normAutofit lnSpcReduction="10000"/>
-          </a:bodyPr>
-          <a:lstStyle/>
-          <a:p>
-            <a:fld id="{86CB4B4D-7CA3-9044-876B-883B54F8677D}" type="slidenum">
-              <a:rPr/>
-              <a:t>3</a:t>
-            </a:fld>
-            <a:endParaRPr/>
-          </a:p>
-        </p:txBody>
-      </p:sp>
-      <p:sp>
-        <p:nvSpPr>
-          <p:cNvPr id="57" name="Maps"/>
-          <p:cNvSpPr txBox="1">
-            <a:spLocks noGrp="1"/>
-          </p:cNvSpPr>
-          <p:nvPr>
-            <p:ph type="body" idx="21"/>
-          </p:nvPr>
-        </p:nvSpPr>
-        <p:spPr>
-          <a:xfrm>
-            <a:off x="742945" y="213147"/>
-            <a:ext cx="9502858" cy="410369"/>
-          </a:xfrm>
-          <a:prstGeom prst="rect">
-            <a:avLst/>
-          </a:prstGeom>
-        </p:spPr>
-        <p:txBody>
-          <a:bodyPr/>
-          <a:lstStyle/>
-          <a:p>
-            <a:r>
-              <a:rPr lang="en-US" dirty="0"/>
-              <a:t>Motivation</a:t>
-            </a:r>
-            <a:endParaRPr dirty="0"/>
-          </a:p>
-        </p:txBody>
-      </p:sp>
-      <p:sp>
-        <p:nvSpPr>
-          <p:cNvPr id="58" name="Title"/>
-          <p:cNvSpPr txBox="1">
-            <a:spLocks noGrp="1"/>
-          </p:cNvSpPr>
-          <p:nvPr>
-            <p:ph type="body" idx="24"/>
-          </p:nvPr>
-        </p:nvSpPr>
-        <p:spPr>
-          <a:prstGeom prst="rect">
-            <a:avLst/>
-          </a:prstGeom>
-        </p:spPr>
-        <p:txBody>
-          <a:bodyPr/>
-          <a:lstStyle/>
-          <a:p>
-            <a:r>
-              <a:t>Title</a:t>
-            </a:r>
-          </a:p>
-        </p:txBody>
-      </p:sp>
-      <p:sp>
-        <p:nvSpPr>
-          <p:cNvPr id="4" name="文字版面配置區 2">
-            <a:extLst>
-              <a:ext uri="{FF2B5EF4-FFF2-40B4-BE49-F238E27FC236}">
-                <a16:creationId xmlns:a16="http://schemas.microsoft.com/office/drawing/2014/main" id="{E1D9B53D-744C-4260-D337-82C1CA5C8857}"/>
-              </a:ext>
-            </a:extLst>
-          </p:cNvPr>
-          <p:cNvSpPr>
-            <a:spLocks noGrp="1"/>
-          </p:cNvSpPr>
-          <p:nvPr>
-            <p:ph type="body" sz="quarter" idx="22"/>
-          </p:nvPr>
-        </p:nvSpPr>
-        <p:spPr>
-          <a:xfrm>
-            <a:off x="715409" y="1354772"/>
-            <a:ext cx="11467783" cy="3120246"/>
-          </a:xfrm>
-        </p:spPr>
-        <p:txBody>
-          <a:bodyPr/>
-          <a:lstStyle/>
-          <a:p>
-            <a:pPr marL="685800" indent="-685800">
-              <a:buFont typeface="Arial" panose="020B0604020202020204" pitchFamily="34" charset="0"/>
-              <a:buChar char="•"/>
-            </a:pPr>
-            <a:r>
-              <a:rPr lang="en-US" altLang="zh-TW" dirty="0"/>
-              <a:t>Interested in sentiment analysis</a:t>
-            </a:r>
-          </a:p>
-          <a:p>
-            <a:pPr marL="685800" indent="-685800">
-              <a:buFont typeface="Arial" panose="020B0604020202020204" pitchFamily="34" charset="0"/>
-              <a:buChar char="•"/>
-            </a:pPr>
-            <a:r>
-              <a:rPr lang="en-US" altLang="zh-TW" dirty="0"/>
-              <a:t>ESG trend</a:t>
-            </a:r>
-          </a:p>
-          <a:p>
-            <a:pPr marL="685800" indent="-685800">
-              <a:buFont typeface="Arial" panose="020B0604020202020204" pitchFamily="34" charset="0"/>
-              <a:buChar char="•"/>
-            </a:pPr>
-            <a:endParaRPr lang="en-US" altLang="zh-TW" dirty="0"/>
-          </a:p>
-          <a:p>
-            <a:pPr marL="685800" indent="-685800">
-              <a:buFont typeface="Arial" panose="020B0604020202020204" pitchFamily="34" charset="0"/>
-              <a:buChar char="•"/>
-            </a:pPr>
-            <a:endParaRPr lang="en-US" altLang="zh-TW" dirty="0"/>
-          </a:p>
-          <a:p>
-            <a:endParaRPr lang="zh-TW" altLang="en-US" dirty="0"/>
-          </a:p>
-        </p:txBody>
-      </p:sp>
-    </p:spTree>
-  </p:cSld>
-  <p:clrMapOvr>
-    <a:masterClrMapping/>
-  </p:clrMapOvr>
-  <p:transition spd="med"/>
-</p:sld>
-</file>
-
-<file path=ppt/slides/slide4.xml><?xml version="1.0" encoding="utf-8"?>
-<p:sld xmlns:a="http://schemas.openxmlformats.org/drawingml/2006/main" xmlns:r="http://schemas.openxmlformats.org/officeDocument/2006/relationships" xmlns:p="http://schemas.openxmlformats.org/presentationml/2006/main">
-  <p:cSld>
-    <p:spTree>
-      <p:nvGrpSpPr>
-        <p:cNvPr id="1" name=""/>
-        <p:cNvGrpSpPr/>
-        <p:nvPr/>
-      </p:nvGrpSpPr>
-      <p:grpSpPr>
-        <a:xfrm>
-          <a:off x="0" y="0"/>
-          <a:ext cx="0" cy="0"/>
-          <a:chOff x="0" y="0"/>
-          <a:chExt cx="0" cy="0"/>
-        </a:xfrm>
-      </p:grpSpPr>
-      <p:sp>
-        <p:nvSpPr>
-          <p:cNvPr id="56" name="幻燈片編號"/>
-          <p:cNvSpPr txBox="1">
-            <a:spLocks noGrp="1"/>
-          </p:cNvSpPr>
-          <p:nvPr>
-            <p:ph type="sldNum" sz="quarter" idx="2"/>
-          </p:nvPr>
-        </p:nvSpPr>
-        <p:spPr>
-          <a:prstGeom prst="rect">
-            <a:avLst/>
-          </a:prstGeom>
-          <a:extLst>
-            <a:ext uri="{C572A759-6A51-4108-AA02-DFA0A04FC94B}">
-              <ma14:wrappingTextBoxFlag xmlns="" xmlns:m="http://schemas.openxmlformats.org/officeDocument/2006/math" xmlns:a14="http://schemas.microsoft.com/office/drawing/2010/main" xmlns:ma14="http://schemas.microsoft.com/office/mac/drawingml/2011/main" val="1"/>
-            </a:ext>
-          </a:extLst>
-        </p:spPr>
-        <p:txBody>
-          <a:bodyPr>
-            <a:normAutofit lnSpcReduction="10000"/>
-          </a:bodyPr>
-          <a:lstStyle/>
-          <a:p>
-            <a:fld id="{86CB4B4D-7CA3-9044-876B-883B54F8677D}" type="slidenum">
-              <a:rPr/>
-              <a:t>4</a:t>
-            </a:fld>
-            <a:endParaRPr/>
-          </a:p>
-        </p:txBody>
-      </p:sp>
-      <p:sp>
-        <p:nvSpPr>
-          <p:cNvPr id="57" name="Maps"/>
-          <p:cNvSpPr txBox="1">
-            <a:spLocks noGrp="1"/>
-          </p:cNvSpPr>
-          <p:nvPr>
-            <p:ph type="body" idx="21"/>
-          </p:nvPr>
-        </p:nvSpPr>
-        <p:spPr>
-          <a:xfrm>
-            <a:off x="742945" y="213147"/>
-            <a:ext cx="9502858" cy="410369"/>
-          </a:xfrm>
-          <a:prstGeom prst="rect">
-            <a:avLst/>
-          </a:prstGeom>
-        </p:spPr>
-        <p:txBody>
-          <a:bodyPr/>
-          <a:lstStyle/>
-          <a:p>
-            <a:r>
-              <a:rPr lang="en-US" dirty="0"/>
-              <a:t>Method</a:t>
-            </a:r>
-            <a:endParaRPr dirty="0"/>
-          </a:p>
-        </p:txBody>
-      </p:sp>
-      <p:sp>
-        <p:nvSpPr>
-          <p:cNvPr id="58" name="Title"/>
-          <p:cNvSpPr txBox="1">
-            <a:spLocks noGrp="1"/>
-          </p:cNvSpPr>
-          <p:nvPr>
-            <p:ph type="body" idx="24"/>
-          </p:nvPr>
-        </p:nvSpPr>
-        <p:spPr>
-          <a:prstGeom prst="rect">
-            <a:avLst/>
-          </a:prstGeom>
-        </p:spPr>
-        <p:txBody>
-          <a:bodyPr/>
-          <a:lstStyle/>
-          <a:p>
-            <a:r>
-              <a:t>Title</a:t>
-            </a:r>
-          </a:p>
-        </p:txBody>
-      </p:sp>
-      <p:sp>
-        <p:nvSpPr>
-          <p:cNvPr id="4" name="文字版面配置區 2">
-            <a:extLst>
-              <a:ext uri="{FF2B5EF4-FFF2-40B4-BE49-F238E27FC236}">
-                <a16:creationId xmlns:a16="http://schemas.microsoft.com/office/drawing/2014/main" id="{E1D9B53D-744C-4260-D337-82C1CA5C8857}"/>
-              </a:ext>
-            </a:extLst>
-          </p:cNvPr>
-          <p:cNvSpPr>
-            <a:spLocks noGrp="1"/>
-          </p:cNvSpPr>
-          <p:nvPr>
-            <p:ph type="body" sz="quarter" idx="22"/>
-          </p:nvPr>
-        </p:nvSpPr>
-        <p:spPr>
-          <a:xfrm>
-            <a:off x="715409" y="1354772"/>
-            <a:ext cx="11467783" cy="3120246"/>
-          </a:xfrm>
-        </p:spPr>
-        <p:txBody>
-          <a:bodyPr>
-            <a:normAutofit fontScale="92500"/>
-          </a:bodyPr>
-          <a:lstStyle/>
-          <a:p>
-            <a:pPr marL="685800" indent="-685800">
-              <a:buFont typeface="Arial" panose="020B0604020202020204" pitchFamily="34" charset="0"/>
-              <a:buChar char="•"/>
-            </a:pPr>
-            <a:r>
-              <a:rPr lang="en-US" altLang="zh-TW" dirty="0"/>
-              <a:t>Crawl data from 10-K</a:t>
-            </a:r>
-          </a:p>
-          <a:p>
-            <a:pPr marL="685800" indent="-685800">
-              <a:buFont typeface="Arial" panose="020B0604020202020204" pitchFamily="34" charset="0"/>
-              <a:buChar char="•"/>
-            </a:pPr>
-            <a:r>
-              <a:rPr lang="en-US" altLang="zh-TW" dirty="0"/>
-              <a:t>Data cleaning</a:t>
-            </a:r>
-          </a:p>
-          <a:p>
-            <a:pPr marL="685800" indent="-685800">
-              <a:buFont typeface="Arial" panose="020B0604020202020204" pitchFamily="34" charset="0"/>
-              <a:buChar char="•"/>
-            </a:pPr>
-            <a:r>
-              <a:rPr lang="en-US" altLang="zh-TW" dirty="0"/>
-              <a:t>EDA</a:t>
-            </a:r>
-          </a:p>
-          <a:p>
-            <a:pPr marL="685800" indent="-685800">
-              <a:buFont typeface="Arial" panose="020B0604020202020204" pitchFamily="34" charset="0"/>
-              <a:buChar char="•"/>
-            </a:pPr>
-            <a:r>
-              <a:rPr lang="en-US" altLang="zh-TW" dirty="0"/>
-              <a:t>ESG</a:t>
-            </a:r>
-            <a:r>
-              <a:rPr lang="zh-TW" altLang="en-US" dirty="0"/>
-              <a:t> </a:t>
-            </a:r>
-            <a:r>
-              <a:rPr lang="en-US" altLang="zh-TW" dirty="0"/>
-              <a:t>Sentiment word dictionary</a:t>
-            </a:r>
-          </a:p>
-          <a:p>
-            <a:pPr marL="685800" indent="-685800">
-              <a:buFont typeface="Arial" panose="020B0604020202020204" pitchFamily="34" charset="0"/>
-              <a:buChar char="•"/>
-            </a:pPr>
-            <a:r>
-              <a:rPr lang="en-US" altLang="zh-TW" dirty="0"/>
-              <a:t>Train classifier</a:t>
-            </a:r>
-          </a:p>
-          <a:p>
-            <a:pPr marL="685800" indent="-685800">
-              <a:buFont typeface="Arial" panose="020B0604020202020204" pitchFamily="34" charset="0"/>
-              <a:buChar char="•"/>
-            </a:pPr>
-            <a:r>
-              <a:rPr lang="en-US" altLang="zh-TW" dirty="0"/>
-              <a:t>Input newest 10-k data and decide investment strategy</a:t>
-            </a:r>
-          </a:p>
-          <a:p>
-            <a:pPr marL="685800" indent="-685800">
-              <a:buFont typeface="Arial" panose="020B0604020202020204" pitchFamily="34" charset="0"/>
-              <a:buChar char="•"/>
-            </a:pPr>
-            <a:endParaRPr lang="en-US" altLang="zh-TW" dirty="0"/>
-          </a:p>
-          <a:p>
-            <a:endParaRPr lang="zh-TW" altLang="en-US" dirty="0"/>
-          </a:p>
-        </p:txBody>
-      </p:sp>
-    </p:spTree>
-    <p:extLst>
-      <p:ext uri="{BB962C8B-B14F-4D97-AF65-F5344CB8AC3E}">
-        <p14:creationId xmlns:p14="http://schemas.microsoft.com/office/powerpoint/2010/main" val="230181563"/>
-      </p:ext>
-    </p:extLst>
-  </p:cSld>
-  <p:clrMapOvr>
-    <a:masterClrMapping/>
-  </p:clrMapOvr>
-  <p:transition spd="med"/>
-</p:sld>
-</file>
-
-<file path=ppt/slides/slide5.xml><?xml version="1.0" encoding="utf-8"?>
 <p:sld xmlns:a="http://schemas.openxmlformats.org/drawingml/2006/main" xmlns:r="http://schemas.openxmlformats.org/officeDocument/2006/relationships" xmlns:p="http://schemas.openxmlformats.org/presentationml/2006/main">
   <p:cSld>
     <p:spTree>
@@ -4356,10 +2985,10 @@
       </p:sp>
       <p:pic>
         <p:nvPicPr>
-          <p:cNvPr id="7" name="圖片 6">
+          <p:cNvPr id="6" name="圖片 5" descr="一張含有 文字, 圖表, 方案, 工程製圖 的圖片&#10;&#10;自動產生的描述">
             <a:extLst>
               <a:ext uri="{FF2B5EF4-FFF2-40B4-BE49-F238E27FC236}">
-                <a16:creationId xmlns:a16="http://schemas.microsoft.com/office/drawing/2014/main" id="{6FAB3A14-73C3-C8DA-31AC-CF9B101CD62A}"/>
+                <a16:creationId xmlns:a16="http://schemas.microsoft.com/office/drawing/2014/main" id="{37F6D4A0-F94D-80E4-9A9F-943037F24157}"/>
               </a:ext>
             </a:extLst>
           </p:cNvPr>
@@ -4369,15 +2998,20 @@
           <p:nvPr/>
         </p:nvPicPr>
         <p:blipFill>
-          <a:blip r:embed="rId2"/>
-          <a:stretch>
-            <a:fillRect/>
-          </a:stretch>
+          <a:blip r:embed="rId2">
+            <a:extLst>
+              <a:ext uri="{28A0092B-C50C-407E-A947-70E740481C1C}">
+                <a14:useLocalDpi xmlns:a14="http://schemas.microsoft.com/office/drawing/2010/main" val="0"/>
+              </a:ext>
+            </a:extLst>
+          </a:blip>
+          <a:srcRect l="12145" r="13863"/>
+          <a:stretch/>
         </p:blipFill>
         <p:spPr>
           <a:xfrm>
-            <a:off x="2010735" y="2104638"/>
-            <a:ext cx="8983329" cy="5544324"/>
+            <a:off x="1577527" y="1564595"/>
+            <a:ext cx="9836728" cy="7478143"/>
           </a:xfrm>
           <a:prstGeom prst="rect">
             <a:avLst/>
@@ -4398,7 +3032,7 @@
 </p:sld>
 </file>
 
-<file path=ppt/slides/slide6.xml><?xml version="1.0" encoding="utf-8"?>
+<file path=ppt/slides/slide3.xml><?xml version="1.0" encoding="utf-8"?>
 <p:sld xmlns:a="http://schemas.openxmlformats.org/drawingml/2006/main" xmlns:r="http://schemas.openxmlformats.org/officeDocument/2006/relationships" xmlns:p="http://schemas.openxmlformats.org/presentationml/2006/main">
   <p:cSld>
     <p:spTree>
@@ -4417,100 +3051,35 @@
       </p:grpSpPr>
       <p:sp>
         <p:nvSpPr>
-          <p:cNvPr id="56" name="幻燈片編號"/>
-          <p:cNvSpPr txBox="1">
+          <p:cNvPr id="2" name="文字版面配置區 1">
+            <a:extLst>
+              <a:ext uri="{FF2B5EF4-FFF2-40B4-BE49-F238E27FC236}">
+                <a16:creationId xmlns:a16="http://schemas.microsoft.com/office/drawing/2014/main" id="{94F579E4-F7BB-57DC-501B-7CFFD16C4440}"/>
+              </a:ext>
+            </a:extLst>
+          </p:cNvPr>
+          <p:cNvSpPr>
             <a:spLocks noGrp="1"/>
           </p:cNvSpPr>
           <p:nvPr>
-            <p:ph type="sldNum" sz="quarter" idx="2"/>
+            <p:ph type="body" sz="quarter" idx="21"/>
           </p:nvPr>
         </p:nvSpPr>
-        <p:spPr>
-          <a:prstGeom prst="rect">
-            <a:avLst/>
-          </a:prstGeom>
-          <a:extLst>
-            <a:ext uri="{C572A759-6A51-4108-AA02-DFA0A04FC94B}">
-              <ma14:wrappingTextBoxFlag xmlns="" xmlns:m="http://schemas.openxmlformats.org/officeDocument/2006/math" xmlns:a14="http://schemas.microsoft.com/office/drawing/2010/main" xmlns:ma14="http://schemas.microsoft.com/office/mac/drawingml/2011/main" val="1"/>
-            </a:ext>
-          </a:extLst>
-        </p:spPr>
+        <p:spPr/>
         <p:txBody>
-          <a:bodyPr>
-            <a:normAutofit lnSpcReduction="10000"/>
-          </a:bodyPr>
+          <a:bodyPr/>
           <a:lstStyle/>
           <a:p>
-            <a:fld id="{86CB4B4D-7CA3-9044-876B-883B54F8677D}" type="slidenum">
-              <a:rPr/>
-              <a:t>6</a:t>
-            </a:fld>
-            <a:endParaRPr/>
+            <a:endParaRPr lang="zh-TW" altLang="en-US"/>
           </a:p>
         </p:txBody>
       </p:sp>
       <p:sp>
         <p:nvSpPr>
-          <p:cNvPr id="57" name="Maps"/>
-          <p:cNvSpPr txBox="1">
-            <a:spLocks noGrp="1"/>
-          </p:cNvSpPr>
-          <p:nvPr>
-            <p:ph type="body" idx="21"/>
-          </p:nvPr>
-        </p:nvSpPr>
-        <p:spPr>
-          <a:xfrm>
-            <a:off x="742945" y="213147"/>
-            <a:ext cx="9502858" cy="410369"/>
-          </a:xfrm>
-          <a:prstGeom prst="rect">
-            <a:avLst/>
-          </a:prstGeom>
-        </p:spPr>
-        <p:txBody>
-          <a:bodyPr/>
-          <a:lstStyle/>
-          <a:p>
-            <a:r>
-              <a:rPr lang="en-US" dirty="0"/>
-              <a:t>KPI</a:t>
-            </a:r>
-            <a:endParaRPr dirty="0"/>
-          </a:p>
-        </p:txBody>
-      </p:sp>
-      <p:sp>
-        <p:nvSpPr>
-          <p:cNvPr id="58" name="Title"/>
-          <p:cNvSpPr txBox="1">
-            <a:spLocks noGrp="1"/>
-          </p:cNvSpPr>
-          <p:nvPr>
-            <p:ph type="body" idx="24"/>
-          </p:nvPr>
-        </p:nvSpPr>
-        <p:spPr>
-          <a:prstGeom prst="rect">
-            <a:avLst/>
-          </a:prstGeom>
-        </p:spPr>
-        <p:txBody>
-          <a:bodyPr/>
-          <a:lstStyle/>
-          <a:p>
-            <a:r>
-              <a:t>Title</a:t>
-            </a:r>
-          </a:p>
-        </p:txBody>
-      </p:sp>
-      <p:sp>
-        <p:nvSpPr>
-          <p:cNvPr id="4" name="文字版面配置區 2">
+          <p:cNvPr id="3" name="文字版面配置區 2">
             <a:extLst>
               <a:ext uri="{FF2B5EF4-FFF2-40B4-BE49-F238E27FC236}">
-                <a16:creationId xmlns:a16="http://schemas.microsoft.com/office/drawing/2014/main" id="{E1D9B53D-744C-4260-D337-82C1CA5C8857}"/>
+                <a16:creationId xmlns:a16="http://schemas.microsoft.com/office/drawing/2014/main" id="{39406889-F533-7500-683A-6B117EF9B0A0}"/>
               </a:ext>
             </a:extLst>
           </p:cNvPr>
@@ -4521,332 +3090,105 @@
             <p:ph type="body" sz="quarter" idx="22"/>
           </p:nvPr>
         </p:nvSpPr>
+        <p:spPr/>
+        <p:txBody>
+          <a:bodyPr>
+            <a:normAutofit lnSpcReduction="10000"/>
+          </a:bodyPr>
+          <a:lstStyle/>
+          <a:p>
+            <a:r>
+              <a:rPr lang="en-US" altLang="zh-TW" dirty="0"/>
+              <a:t>Experiment</a:t>
+            </a:r>
+            <a:endParaRPr lang="zh-TW" altLang="en-US" dirty="0"/>
+          </a:p>
+        </p:txBody>
+      </p:sp>
+      <p:sp>
+        <p:nvSpPr>
+          <p:cNvPr id="4" name="文字版面配置區 3">
+            <a:extLst>
+              <a:ext uri="{FF2B5EF4-FFF2-40B4-BE49-F238E27FC236}">
+                <a16:creationId xmlns:a16="http://schemas.microsoft.com/office/drawing/2014/main" id="{3A073869-67C7-5018-CAEF-69E7D05D589C}"/>
+              </a:ext>
+            </a:extLst>
+          </p:cNvPr>
+          <p:cNvSpPr>
+            <a:spLocks noGrp="1"/>
+          </p:cNvSpPr>
+          <p:nvPr>
+            <p:ph type="body" sz="quarter" idx="23"/>
+          </p:nvPr>
+        </p:nvSpPr>
         <p:spPr>
           <a:xfrm>
-            <a:off x="715409" y="1354772"/>
-            <a:ext cx="11467783" cy="3120246"/>
+            <a:off x="761999" y="1581811"/>
+            <a:ext cx="11467783" cy="1949252"/>
           </a:xfrm>
         </p:spPr>
         <p:txBody>
           <a:bodyPr/>
           <a:lstStyle/>
           <a:p>
-            <a:pPr marL="685800" indent="-685800">
-              <a:buFont typeface="Arial" panose="020B0604020202020204" pitchFamily="34" charset="0"/>
-              <a:buChar char="•"/>
+            <a:pPr marL="742950" indent="-742950">
+              <a:buAutoNum type="arabicPeriod"/>
             </a:pPr>
-            <a:endParaRPr lang="en-US" altLang="zh-TW" dirty="0"/>
+            <a:r>
+              <a:rPr lang="en-US" altLang="zh-TW" sz="4000" dirty="0"/>
+              <a:t>Extracting items from 10K dataset</a:t>
+            </a:r>
           </a:p>
           <a:p>
-            <a:pPr marL="685800" indent="-685800">
-              <a:buFont typeface="Arial" panose="020B0604020202020204" pitchFamily="34" charset="0"/>
-              <a:buChar char="•"/>
+            <a:pPr marL="742950" indent="-742950">
+              <a:buAutoNum type="arabicPeriod"/>
             </a:pPr>
-            <a:endParaRPr lang="en-US" altLang="zh-TW" dirty="0"/>
+            <a:r>
+              <a:rPr lang="en-US" altLang="zh-TW" sz="4000" dirty="0"/>
+              <a:t>Extract specific industry from 10K dataset</a:t>
+            </a:r>
           </a:p>
           <a:p>
-            <a:endParaRPr lang="zh-TW" altLang="en-US" dirty="0"/>
+            <a:pPr marL="742950" indent="-742950">
+              <a:buAutoNum type="arabicPeriod"/>
+            </a:pPr>
+            <a:r>
+              <a:rPr lang="en-US" altLang="zh-TW" sz="4000" dirty="0"/>
+              <a:t>Different method for producing word vector</a:t>
+            </a:r>
+            <a:endParaRPr lang="zh-TW" altLang="en-US" sz="4000" dirty="0"/>
           </a:p>
         </p:txBody>
       </p:sp>
       <p:sp>
         <p:nvSpPr>
-          <p:cNvPr id="2" name="文字版面配置區 2">
+          <p:cNvPr id="5" name="文字版面配置區 4">
             <a:extLst>
               <a:ext uri="{FF2B5EF4-FFF2-40B4-BE49-F238E27FC236}">
-                <a16:creationId xmlns:a16="http://schemas.microsoft.com/office/drawing/2014/main" id="{49E7C6D0-5D19-49B9-8E57-79B73B432A3C}"/>
+                <a16:creationId xmlns:a16="http://schemas.microsoft.com/office/drawing/2014/main" id="{81D9A1BE-B4B9-4848-7805-FE1D9AB08C8F}"/>
               </a:ext>
             </a:extLst>
           </p:cNvPr>
-          <p:cNvSpPr txBox="1">
-            <a:spLocks/>
+          <p:cNvSpPr>
+            <a:spLocks noGrp="1"/>
           </p:cNvSpPr>
-          <p:nvPr/>
+          <p:nvPr>
+            <p:ph type="body" sz="quarter" idx="24"/>
+          </p:nvPr>
         </p:nvSpPr>
-        <p:spPr>
-          <a:xfrm>
-            <a:off x="867809" y="1507172"/>
-            <a:ext cx="11467783" cy="3120246"/>
-          </a:xfrm>
-          <a:prstGeom prst="rect">
-            <a:avLst/>
-          </a:prstGeom>
-          <a:ln w="12700">
-            <a:miter lim="400000"/>
-          </a:ln>
-          <a:extLst>
-            <a:ext uri="{C572A759-6A51-4108-AA02-DFA0A04FC94B}">
-              <ma14:wrappingTextBoxFlag xmlns="" xmlns:m="http://schemas.openxmlformats.org/officeDocument/2006/math" xmlns:a14="http://schemas.microsoft.com/office/drawing/2010/main" xmlns:ma14="http://schemas.microsoft.com/office/mac/drawingml/2011/main" val="1"/>
-            </a:ext>
-          </a:extLst>
-        </p:spPr>
+        <p:spPr/>
         <p:txBody>
-          <a:bodyPr lIns="50800" tIns="50800" rIns="50800" bIns="50800">
-            <a:normAutofit/>
-          </a:bodyPr>
-          <a:lstStyle>
-            <a:lvl1pPr marL="0" marR="0" indent="0" algn="l" defTabSz="584200" latinLnBrk="0">
-              <a:lnSpc>
-                <a:spcPct val="100000"/>
-              </a:lnSpc>
-              <a:spcBef>
-                <a:spcPts val="0"/>
-              </a:spcBef>
-              <a:spcAft>
-                <a:spcPts val="0"/>
-              </a:spcAft>
-              <a:buClrTx/>
-              <a:buSzTx/>
-              <a:buFontTx/>
-              <a:buNone/>
-              <a:tabLst/>
-              <a:defRPr sz="3500" b="0" i="0" u="none" strike="noStrike" cap="none" spc="0" baseline="0">
-                <a:solidFill>
-                  <a:srgbClr val="D30F11"/>
-                </a:solidFill>
-                <a:uFillTx/>
-                <a:latin typeface="+mn-lt"/>
-                <a:ea typeface="+mn-ea"/>
-                <a:cs typeface="+mn-cs"/>
-                <a:sym typeface="Helvetica Neue"/>
-              </a:defRPr>
-            </a:lvl1pPr>
-            <a:lvl2pPr marL="0" marR="0" indent="228600" algn="l" defTabSz="584200" latinLnBrk="0">
-              <a:lnSpc>
-                <a:spcPct val="100000"/>
-              </a:lnSpc>
-              <a:spcBef>
-                <a:spcPts val="0"/>
-              </a:spcBef>
-              <a:spcAft>
-                <a:spcPts val="0"/>
-              </a:spcAft>
-              <a:buClrTx/>
-              <a:buSzTx/>
-              <a:buFontTx/>
-              <a:buNone/>
-              <a:tabLst/>
-              <a:defRPr sz="5400" b="0" i="0" u="none" strike="noStrike" cap="none" spc="0" baseline="0">
-                <a:solidFill>
-                  <a:srgbClr val="D30F11"/>
-                </a:solidFill>
-                <a:uFillTx/>
-                <a:latin typeface="Helvetica Neue Light"/>
-                <a:ea typeface="Helvetica Neue Light"/>
-                <a:cs typeface="Helvetica Neue Light"/>
-                <a:sym typeface="Helvetica Neue Light"/>
-              </a:defRPr>
-            </a:lvl2pPr>
-            <a:lvl3pPr marL="0" marR="0" indent="457200" algn="l" defTabSz="584200" latinLnBrk="0">
-              <a:lnSpc>
-                <a:spcPct val="100000"/>
-              </a:lnSpc>
-              <a:spcBef>
-                <a:spcPts val="0"/>
-              </a:spcBef>
-              <a:spcAft>
-                <a:spcPts val="0"/>
-              </a:spcAft>
-              <a:buClrTx/>
-              <a:buSzTx/>
-              <a:buFontTx/>
-              <a:buNone/>
-              <a:tabLst/>
-              <a:defRPr sz="5400" b="0" i="0" u="none" strike="noStrike" cap="none" spc="0" baseline="0">
-                <a:solidFill>
-                  <a:srgbClr val="D30F11"/>
-                </a:solidFill>
-                <a:uFillTx/>
-                <a:latin typeface="Helvetica Neue Light"/>
-                <a:ea typeface="Helvetica Neue Light"/>
-                <a:cs typeface="Helvetica Neue Light"/>
-                <a:sym typeface="Helvetica Neue Light"/>
-              </a:defRPr>
-            </a:lvl3pPr>
-            <a:lvl4pPr marL="0" marR="0" indent="685800" algn="l" defTabSz="584200" latinLnBrk="0">
-              <a:lnSpc>
-                <a:spcPct val="100000"/>
-              </a:lnSpc>
-              <a:spcBef>
-                <a:spcPts val="0"/>
-              </a:spcBef>
-              <a:spcAft>
-                <a:spcPts val="0"/>
-              </a:spcAft>
-              <a:buClrTx/>
-              <a:buSzTx/>
-              <a:buFontTx/>
-              <a:buNone/>
-              <a:tabLst/>
-              <a:defRPr sz="5400" b="0" i="0" u="none" strike="noStrike" cap="none" spc="0" baseline="0">
-                <a:solidFill>
-                  <a:srgbClr val="D30F11"/>
-                </a:solidFill>
-                <a:uFillTx/>
-                <a:latin typeface="Helvetica Neue Light"/>
-                <a:ea typeface="Helvetica Neue Light"/>
-                <a:cs typeface="Helvetica Neue Light"/>
-                <a:sym typeface="Helvetica Neue Light"/>
-              </a:defRPr>
-            </a:lvl4pPr>
-            <a:lvl5pPr marL="0" marR="0" indent="914400" algn="l" defTabSz="584200" latinLnBrk="0">
-              <a:lnSpc>
-                <a:spcPct val="100000"/>
-              </a:lnSpc>
-              <a:spcBef>
-                <a:spcPts val="0"/>
-              </a:spcBef>
-              <a:spcAft>
-                <a:spcPts val="0"/>
-              </a:spcAft>
-              <a:buClrTx/>
-              <a:buSzTx/>
-              <a:buFontTx/>
-              <a:buNone/>
-              <a:tabLst/>
-              <a:defRPr sz="5400" b="0" i="0" u="none" strike="noStrike" cap="none" spc="0" baseline="0">
-                <a:solidFill>
-                  <a:srgbClr val="D30F11"/>
-                </a:solidFill>
-                <a:uFillTx/>
-                <a:latin typeface="Helvetica Neue Light"/>
-                <a:ea typeface="Helvetica Neue Light"/>
-                <a:cs typeface="Helvetica Neue Light"/>
-                <a:sym typeface="Helvetica Neue Light"/>
-              </a:defRPr>
-            </a:lvl5pPr>
-            <a:lvl6pPr marL="0" marR="0" indent="1143000" algn="l" defTabSz="584200" latinLnBrk="0">
-              <a:lnSpc>
-                <a:spcPct val="100000"/>
-              </a:lnSpc>
-              <a:spcBef>
-                <a:spcPts val="0"/>
-              </a:spcBef>
-              <a:spcAft>
-                <a:spcPts val="0"/>
-              </a:spcAft>
-              <a:buClrTx/>
-              <a:buSzTx/>
-              <a:buFontTx/>
-              <a:buNone/>
-              <a:tabLst/>
-              <a:defRPr sz="5400" b="0" i="0" u="none" strike="noStrike" cap="none" spc="0" baseline="0">
-                <a:solidFill>
-                  <a:srgbClr val="D30F11"/>
-                </a:solidFill>
-                <a:uFillTx/>
-                <a:latin typeface="Helvetica Neue Light"/>
-                <a:ea typeface="Helvetica Neue Light"/>
-                <a:cs typeface="Helvetica Neue Light"/>
-                <a:sym typeface="Helvetica Neue Light"/>
-              </a:defRPr>
-            </a:lvl6pPr>
-            <a:lvl7pPr marL="0" marR="0" indent="1371600" algn="l" defTabSz="584200" latinLnBrk="0">
-              <a:lnSpc>
-                <a:spcPct val="100000"/>
-              </a:lnSpc>
-              <a:spcBef>
-                <a:spcPts val="0"/>
-              </a:spcBef>
-              <a:spcAft>
-                <a:spcPts val="0"/>
-              </a:spcAft>
-              <a:buClrTx/>
-              <a:buSzTx/>
-              <a:buFontTx/>
-              <a:buNone/>
-              <a:tabLst/>
-              <a:defRPr sz="5400" b="0" i="0" u="none" strike="noStrike" cap="none" spc="0" baseline="0">
-                <a:solidFill>
-                  <a:srgbClr val="D30F11"/>
-                </a:solidFill>
-                <a:uFillTx/>
-                <a:latin typeface="Helvetica Neue Light"/>
-                <a:ea typeface="Helvetica Neue Light"/>
-                <a:cs typeface="Helvetica Neue Light"/>
-                <a:sym typeface="Helvetica Neue Light"/>
-              </a:defRPr>
-            </a:lvl7pPr>
-            <a:lvl8pPr marL="0" marR="0" indent="1600200" algn="l" defTabSz="584200" latinLnBrk="0">
-              <a:lnSpc>
-                <a:spcPct val="100000"/>
-              </a:lnSpc>
-              <a:spcBef>
-                <a:spcPts val="0"/>
-              </a:spcBef>
-              <a:spcAft>
-                <a:spcPts val="0"/>
-              </a:spcAft>
-              <a:buClrTx/>
-              <a:buSzTx/>
-              <a:buFontTx/>
-              <a:buNone/>
-              <a:tabLst/>
-              <a:defRPr sz="5400" b="0" i="0" u="none" strike="noStrike" cap="none" spc="0" baseline="0">
-                <a:solidFill>
-                  <a:srgbClr val="D30F11"/>
-                </a:solidFill>
-                <a:uFillTx/>
-                <a:latin typeface="Helvetica Neue Light"/>
-                <a:ea typeface="Helvetica Neue Light"/>
-                <a:cs typeface="Helvetica Neue Light"/>
-                <a:sym typeface="Helvetica Neue Light"/>
-              </a:defRPr>
-            </a:lvl8pPr>
-            <a:lvl9pPr marL="0" marR="0" indent="1828800" algn="l" defTabSz="584200" latinLnBrk="0">
-              <a:lnSpc>
-                <a:spcPct val="100000"/>
-              </a:lnSpc>
-              <a:spcBef>
-                <a:spcPts val="0"/>
-              </a:spcBef>
-              <a:spcAft>
-                <a:spcPts val="0"/>
-              </a:spcAft>
-              <a:buClrTx/>
-              <a:buSzTx/>
-              <a:buFontTx/>
-              <a:buNone/>
-              <a:tabLst/>
-              <a:defRPr sz="5400" b="0" i="0" u="none" strike="noStrike" cap="none" spc="0" baseline="0">
-                <a:solidFill>
-                  <a:srgbClr val="D30F11"/>
-                </a:solidFill>
-                <a:uFillTx/>
-                <a:latin typeface="Helvetica Neue Light"/>
-                <a:ea typeface="Helvetica Neue Light"/>
-                <a:cs typeface="Helvetica Neue Light"/>
-                <a:sym typeface="Helvetica Neue Light"/>
-              </a:defRPr>
-            </a:lvl9pPr>
-          </a:lstStyle>
+          <a:bodyPr/>
+          <a:lstStyle/>
           <a:p>
-            <a:pPr marL="685800" indent="-685800" hangingPunct="1">
-              <a:buFont typeface="Arial" panose="020B0604020202020204" pitchFamily="34" charset="0"/>
-              <a:buChar char="•"/>
-            </a:pPr>
-            <a:r>
-              <a:rPr lang="en-US" altLang="zh-TW" dirty="0"/>
-              <a:t>Randomly pick one or two company and input their newest 10-K article and predict its best investment strategy</a:t>
-            </a:r>
-          </a:p>
-          <a:p>
-            <a:pPr marL="685800" indent="-685800" hangingPunct="1">
-              <a:buFont typeface="Arial" panose="020B0604020202020204" pitchFamily="34" charset="0"/>
-              <a:buChar char="•"/>
-            </a:pPr>
-            <a:endParaRPr lang="en-US" altLang="zh-TW" dirty="0"/>
-          </a:p>
-          <a:p>
-            <a:pPr hangingPunct="1"/>
-            <a:endParaRPr lang="zh-TW" altLang="en-US" dirty="0"/>
+            <a:endParaRPr lang="zh-TW" altLang="en-US"/>
           </a:p>
         </p:txBody>
       </p:sp>
     </p:spTree>
     <p:extLst>
       <p:ext uri="{BB962C8B-B14F-4D97-AF65-F5344CB8AC3E}">
-        <p14:creationId xmlns:p14="http://schemas.microsoft.com/office/powerpoint/2010/main" val="722869629"/>
+        <p14:creationId xmlns:p14="http://schemas.microsoft.com/office/powerpoint/2010/main" val="2522804969"/>
       </p:ext>
     </p:extLst>
   </p:cSld>
@@ -4857,7 +3199,7 @@
 </p:sld>
 </file>
 
-<file path=ppt/slides/slide7.xml><?xml version="1.0" encoding="utf-8"?>
+<file path=ppt/slides/slide4.xml><?xml version="1.0" encoding="utf-8"?>
 <p:sld xmlns:a="http://schemas.openxmlformats.org/drawingml/2006/main" xmlns:r="http://schemas.openxmlformats.org/officeDocument/2006/relationships" xmlns:p="http://schemas.openxmlformats.org/presentationml/2006/main">
   <p:cSld>
     <p:spTree>
@@ -4890,7 +3232,7 @@
           </a:prstGeom>
           <a:extLst>
             <a:ext uri="{C572A759-6A51-4108-AA02-DFA0A04FC94B}">
-              <ma14:wrappingTextBoxFlag xmlns="" xmlns:m="http://schemas.openxmlformats.org/officeDocument/2006/math" xmlns:a14="http://schemas.microsoft.com/office/drawing/2010/main" xmlns:ma14="http://schemas.microsoft.com/office/mac/drawingml/2011/main" val="1"/>
+              <ma14:wrappingTextBoxFlag xmlns:ma14="http://schemas.microsoft.com/office/mac/drawingml/2011/main" xmlns:a14="http://schemas.microsoft.com/office/drawing/2010/main" xmlns:m="http://schemas.openxmlformats.org/officeDocument/2006/math" xmlns="" val="1"/>
             </a:ext>
           </a:extLst>
         </p:spPr>
@@ -4902,7 +3244,7 @@
           <a:p>
             <a:fld id="{86CB4B4D-7CA3-9044-876B-883B54F8677D}" type="slidenum">
               <a:rPr/>
-              <a:t>7</a:t>
+              <a:t>4</a:t>
             </a:fld>
             <a:endParaRPr/>
           </a:p>
@@ -4961,7 +3303,7 @@
           <a:effectLst/>
           <a:extLst>
             <a:ext uri="{C572A759-6A51-4108-AA02-DFA0A04FC94B}">
-              <ma14:wrappingTextBoxFlag xmlns="" xmlns:m="http://schemas.openxmlformats.org/officeDocument/2006/math" xmlns:a14="http://schemas.microsoft.com/office/drawing/2010/main" xmlns:ma14="http://schemas.microsoft.com/office/mac/drawingml/2011/main" val="1"/>
+              <ma14:wrappingTextBoxFlag xmlns:ma14="http://schemas.microsoft.com/office/mac/drawingml/2011/main" xmlns:a14="http://schemas.microsoft.com/office/drawing/2010/main" xmlns:m="http://schemas.openxmlformats.org/officeDocument/2006/math" xmlns="" val="1"/>
             </a:ext>
           </a:extLst>
         </p:spPr>
